--- a/Algoritmos y estructuras de datos I - Proyecto Parte II.pptx
+++ b/Algoritmos y estructuras de datos I - Proyecto Parte II.pptx
@@ -4120,10 +4120,10 @@
       </p:sp>
       <p:pic>
         <p:nvPicPr>
-          <p:cNvPr id="6" name="Marcador de contenido 5">
+          <p:cNvPr id="7" name="Marcador de contenido 6">
             <a:extLst>
               <a:ext uri="{FF2B5EF4-FFF2-40B4-BE49-F238E27FC236}">
-                <a16:creationId xmlns:a16="http://schemas.microsoft.com/office/drawing/2014/main" id="{9CD99711-C5C9-40C4-88ED-BB569A231CB7}"/>
+                <a16:creationId xmlns:a16="http://schemas.microsoft.com/office/drawing/2014/main" id="{9AE05081-5A4D-492F-A15C-26C969DF6C6D}"/>
               </a:ext>
             </a:extLst>
           </p:cNvPr>
@@ -4142,8 +4142,8 @@
         </p:blipFill>
         <p:spPr>
           <a:xfrm>
-            <a:off x="3573194" y="267165"/>
-            <a:ext cx="8434215" cy="6288379"/>
+            <a:off x="3723250" y="283117"/>
+            <a:ext cx="8168479" cy="6090251"/>
           </a:xfrm>
         </p:spPr>
       </p:pic>
@@ -4222,7 +4222,7 @@
             <p:ph idx="1"/>
             <p:extLst>
               <p:ext uri="{D42A27DB-BD31-4B8C-83A1-F6EECF244321}">
-                <p14:modId xmlns:p14="http://schemas.microsoft.com/office/powerpoint/2010/main" val="1260330884"/>
+                <p14:modId xmlns:p14="http://schemas.microsoft.com/office/powerpoint/2010/main" val="3789437437"/>
               </p:ext>
             </p:extLst>
           </p:nvPr>
@@ -4499,13 +4499,13 @@
                         </a:spcAft>
                       </a:pPr>
                       <a:r>
-                        <a:rPr lang="es-ES" sz="1800">
+                        <a:rPr lang="es-ES" sz="1800" dirty="0">
                           <a:effectLst/>
                           <a:latin typeface="+mn-lt"/>
                         </a:rPr>
-                        <a:t>Buscar por tag</a:t>
+                        <a:t>Buscar por tag o lista de tags</a:t>
                       </a:r>
-                      <a:endParaRPr lang="en-US" sz="1800">
+                      <a:endParaRPr lang="en-US" sz="1800" dirty="0">
                         <a:effectLst/>
                         <a:latin typeface="+mn-lt"/>
                         <a:ea typeface="Calibri" panose="020F0502020204030204" pitchFamily="34" charset="0"/>
